--- a/output/slide03.pptx
+++ b/output/slide03.pptx
@@ -3154,7 +3154,7 @@
           <a:lstStyle/>
           <a:p>
             <a:r>
-              <a:rPr sz="4800" b="1">
+              <a:rPr sz="3600" b="1">
                 <a:latin typeface="Source Han Sans CN Bold"/>
               </a:rPr>
               <a:t>攻击手法与趋势分析</a:t>
@@ -3185,7 +3185,7 @@
           <a:lstStyle/>
           <a:p>
             <a:r>
-              <a:rPr sz="3600" b="1">
+              <a:rPr sz="2700" b="1">
                 <a:solidFill>
                   <a:srgbClr val="0A4275"/>
                 </a:solidFill>
@@ -3306,7 +3306,7 @@
           <a:lstStyle/>
           <a:p>
             <a:r>
-              <a:rPr sz="2000">
+              <a:rPr sz="1500">
                 <a:solidFill>
                   <a:srgbClr val="0A4275"/>
                 </a:solidFill>
@@ -3393,8 +3393,8 @@
         </p:nvSpPr>
         <p:spPr>
           <a:xfrm>
-            <a:off x="3248025" y="5372100"/>
-            <a:ext cx="476250" cy="381000"/>
+            <a:off x="952500" y="6057900"/>
+            <a:ext cx="342900" cy="342900"/>
           </a:xfrm>
           <a:prstGeom prst="rect">
             <a:avLst/>
@@ -3402,7 +3402,7 @@
           <a:noFill/>
         </p:spPr>
         <p:txBody>
-          <a:bodyPr wrap="none" anchor="t">
+          <a:bodyPr wrap="none" anchor="ctr">
             <a:spAutoFit/>
           </a:bodyPr>
           <a:lstStyle/>
@@ -3413,6 +3413,7 @@
                 <a:solidFill>
                   <a:srgbClr val="0A4275"/>
                 </a:solidFill>
+                <a:latin typeface="DengXian"/>
               </a:rPr>
               <a:t>📶</a:t>
             </a:r>
@@ -3427,8 +3428,8 @@
         </p:nvSpPr>
         <p:spPr>
           <a:xfrm>
-            <a:off x="857250" y="5800725"/>
-            <a:ext cx="5267325" cy="285750"/>
+            <a:off x="1485900" y="5629275"/>
+            <a:ext cx="4543425" cy="200025"/>
           </a:xfrm>
           <a:prstGeom prst="rect">
             <a:avLst/>
@@ -3436,14 +3437,14 @@
           <a:noFill/>
         </p:spPr>
         <p:txBody>
-          <a:bodyPr wrap="square">
+          <a:bodyPr wrap="square" anchor="t">
             <a:spAutoFit/>
           </a:bodyPr>
           <a:lstStyle/>
           <a:p>
-            <a:pPr algn="ctr"/>
-            <a:r>
-              <a:rPr sz="1800">
+            <a:pPr algn="l"/>
+            <a:r>
+              <a:rPr sz="1400">
                 <a:solidFill>
                   <a:srgbClr val="0A4275"/>
                 </a:solidFill>
@@ -3462,8 +3463,8 @@
         </p:nvSpPr>
         <p:spPr>
           <a:xfrm>
-            <a:off x="857250" y="6086475"/>
-            <a:ext cx="5267325" cy="476250"/>
+            <a:off x="1485900" y="5876925"/>
+            <a:ext cx="4543425" cy="381000"/>
           </a:xfrm>
           <a:prstGeom prst="rect">
             <a:avLst/>
@@ -3471,14 +3472,14 @@
           <a:noFill/>
         </p:spPr>
         <p:txBody>
-          <a:bodyPr wrap="none">
+          <a:bodyPr wrap="none" anchor="t">
             <a:spAutoFit/>
           </a:bodyPr>
           <a:lstStyle/>
           <a:p>
-            <a:pPr algn="ctr"/>
-            <a:r>
-              <a:rPr sz="3600" b="1">
+            <a:pPr algn="l"/>
+            <a:r>
+              <a:rPr sz="2700" b="1">
                 <a:solidFill>
                   <a:srgbClr val="0A4275"/>
                 </a:solidFill>
@@ -3497,8 +3498,8 @@
         </p:nvSpPr>
         <p:spPr>
           <a:xfrm>
-            <a:off x="857250" y="6562725"/>
-            <a:ext cx="5267325" cy="285750"/>
+            <a:off x="1485900" y="6305550"/>
+            <a:ext cx="4543425" cy="209550"/>
           </a:xfrm>
           <a:prstGeom prst="rect">
             <a:avLst/>
@@ -3506,14 +3507,14 @@
           <a:noFill/>
         </p:spPr>
         <p:txBody>
-          <a:bodyPr wrap="square">
+          <a:bodyPr wrap="square" anchor="t">
             <a:spAutoFit/>
           </a:bodyPr>
           <a:lstStyle/>
           <a:p>
-            <a:pPr algn="ctr"/>
-            <a:r>
-              <a:rPr sz="1800">
+            <a:pPr algn="l"/>
+            <a:r>
+              <a:rPr sz="1500">
                 <a:latin typeface="DengXian"/>
               </a:rPr>
               <a:t>峰值流量82Gbps</a:t>
@@ -3523,7 +3524,39 @@
       </p:sp>
       <p:sp>
         <p:nvSpPr>
-          <p:cNvPr id="14" name="Rounded Rectangle 13"/>
+          <p:cNvPr id="14" name="TextBox 13"/>
+          <p:cNvSpPr txBox="1"/>
+          <p:nvPr/>
+        </p:nvSpPr>
+        <p:spPr>
+          <a:xfrm>
+            <a:off x="1485900" y="6562725"/>
+            <a:ext cx="4543425" cy="209550"/>
+          </a:xfrm>
+          <a:prstGeom prst="rect">
+            <a:avLst/>
+          </a:prstGeom>
+          <a:noFill/>
+        </p:spPr>
+        <p:txBody>
+          <a:bodyPr wrap="square" anchor="t">
+            <a:spAutoFit/>
+          </a:bodyPr>
+          <a:lstStyle/>
+          <a:p>
+            <a:pPr algn="l"/>
+            <a:r>
+              <a:rPr sz="1500">
+                <a:latin typeface="DengXian"/>
+              </a:rPr>
+              <a:t>持续时间平均增长45%</a:t>
+            </a:r>
+          </a:p>
+        </p:txBody>
+      </p:sp>
+      <p:sp>
+        <p:nvSpPr>
+          <p:cNvPr id="15" name="Rounded Rectangle 14"/>
           <p:cNvSpPr/>
           <p:nvPr/>
         </p:nvSpPr>
@@ -3567,14 +3600,14 @@
       </p:sp>
       <p:sp>
         <p:nvSpPr>
-          <p:cNvPr id="15" name="TextBox 14"/>
+          <p:cNvPr id="16" name="TextBox 15"/>
           <p:cNvSpPr txBox="1"/>
           <p:nvPr/>
         </p:nvSpPr>
         <p:spPr>
           <a:xfrm>
-            <a:off x="8896350" y="5372100"/>
-            <a:ext cx="476250" cy="381000"/>
+            <a:off x="6600825" y="6057900"/>
+            <a:ext cx="342900" cy="342900"/>
           </a:xfrm>
           <a:prstGeom prst="rect">
             <a:avLst/>
@@ -3582,7 +3615,7 @@
           <a:noFill/>
         </p:spPr>
         <p:txBody>
-          <a:bodyPr wrap="none" anchor="t">
+          <a:bodyPr wrap="none" anchor="ctr">
             <a:spAutoFit/>
           </a:bodyPr>
           <a:lstStyle/>
@@ -3593,6 +3626,7 @@
                 <a:solidFill>
                   <a:srgbClr val="0A4275"/>
                 </a:solidFill>
+                <a:latin typeface="DengXian"/>
               </a:rPr>
               <a:t>🔒</a:t>
             </a:r>
@@ -3601,14 +3635,14 @@
       </p:sp>
       <p:sp>
         <p:nvSpPr>
-          <p:cNvPr id="16" name="TextBox 15"/>
+          <p:cNvPr id="17" name="TextBox 16"/>
           <p:cNvSpPr txBox="1"/>
           <p:nvPr/>
         </p:nvSpPr>
         <p:spPr>
           <a:xfrm>
-            <a:off x="6505575" y="5800725"/>
-            <a:ext cx="5267325" cy="285750"/>
+            <a:off x="7134225" y="5629275"/>
+            <a:ext cx="4543425" cy="200025"/>
           </a:xfrm>
           <a:prstGeom prst="rect">
             <a:avLst/>
@@ -3616,14 +3650,14 @@
           <a:noFill/>
         </p:spPr>
         <p:txBody>
-          <a:bodyPr wrap="square">
+          <a:bodyPr wrap="square" anchor="t">
             <a:spAutoFit/>
           </a:bodyPr>
           <a:lstStyle/>
           <a:p>
-            <a:pPr algn="ctr"/>
-            <a:r>
-              <a:rPr sz="1800">
+            <a:pPr algn="l"/>
+            <a:r>
+              <a:rPr sz="1400">
                 <a:solidFill>
                   <a:srgbClr val="0A4275"/>
                 </a:solidFill>
@@ -3636,14 +3670,14 @@
       </p:sp>
       <p:sp>
         <p:nvSpPr>
-          <p:cNvPr id="17" name="TextBox 16"/>
+          <p:cNvPr id="18" name="TextBox 17"/>
           <p:cNvSpPr txBox="1"/>
           <p:nvPr/>
         </p:nvSpPr>
         <p:spPr>
           <a:xfrm>
-            <a:off x="6505575" y="6086475"/>
-            <a:ext cx="5267325" cy="476250"/>
+            <a:off x="7134225" y="5876925"/>
+            <a:ext cx="4543425" cy="381000"/>
           </a:xfrm>
           <a:prstGeom prst="rect">
             <a:avLst/>
@@ -3651,14 +3685,14 @@
           <a:noFill/>
         </p:spPr>
         <p:txBody>
-          <a:bodyPr wrap="none">
+          <a:bodyPr wrap="none" anchor="t">
             <a:spAutoFit/>
           </a:bodyPr>
           <a:lstStyle/>
           <a:p>
-            <a:pPr algn="ctr"/>
-            <a:r>
-              <a:rPr sz="3600" b="1">
+            <a:pPr algn="l"/>
+            <a:r>
+              <a:rPr sz="2700" b="1">
                 <a:solidFill>
                   <a:srgbClr val="0A4275"/>
                 </a:solidFill>
@@ -3671,14 +3705,14 @@
       </p:sp>
       <p:sp>
         <p:nvSpPr>
-          <p:cNvPr id="18" name="TextBox 17"/>
+          <p:cNvPr id="19" name="TextBox 18"/>
           <p:cNvSpPr txBox="1"/>
           <p:nvPr/>
         </p:nvSpPr>
         <p:spPr>
           <a:xfrm>
-            <a:off x="6505575" y="6562725"/>
-            <a:ext cx="5267325" cy="285750"/>
+            <a:off x="7134225" y="6305550"/>
+            <a:ext cx="4543425" cy="209550"/>
           </a:xfrm>
           <a:prstGeom prst="rect">
             <a:avLst/>
@@ -3686,14 +3720,14 @@
           <a:noFill/>
         </p:spPr>
         <p:txBody>
-          <a:bodyPr wrap="square">
+          <a:bodyPr wrap="square" anchor="t">
             <a:spAutoFit/>
           </a:bodyPr>
           <a:lstStyle/>
           <a:p>
-            <a:pPr algn="ctr"/>
-            <a:r>
-              <a:rPr sz="1800">
+            <a:pPr algn="l"/>
+            <a:r>
+              <a:rPr sz="1500">
                 <a:latin typeface="DengXian"/>
               </a:rPr>
               <a:t>同比增长34.6%</a:t>
@@ -3703,7 +3737,39 @@
       </p:sp>
       <p:sp>
         <p:nvSpPr>
-          <p:cNvPr id="19" name="Rounded Rectangle 18"/>
+          <p:cNvPr id="20" name="TextBox 19"/>
+          <p:cNvSpPr txBox="1"/>
+          <p:nvPr/>
+        </p:nvSpPr>
+        <p:spPr>
+          <a:xfrm>
+            <a:off x="7134225" y="6562725"/>
+            <a:ext cx="4543425" cy="209550"/>
+          </a:xfrm>
+          <a:prstGeom prst="rect">
+            <a:avLst/>
+          </a:prstGeom>
+          <a:noFill/>
+        </p:spPr>
+        <p:txBody>
+          <a:bodyPr wrap="square" anchor="t">
+            <a:spAutoFit/>
+          </a:bodyPr>
+          <a:lstStyle/>
+          <a:p>
+            <a:pPr algn="l"/>
+            <a:r>
+              <a:rPr sz="1500">
+                <a:latin typeface="DengXian"/>
+              </a:rPr>
+              <a:t>平均赎金要求1.2 BTC</a:t>
+            </a:r>
+          </a:p>
+        </p:txBody>
+      </p:sp>
+      <p:sp>
+        <p:nvSpPr>
+          <p:cNvPr id="21" name="Rounded Rectangle 20"/>
           <p:cNvSpPr/>
           <p:nvPr/>
         </p:nvSpPr>
@@ -3747,14 +3813,14 @@
       </p:sp>
       <p:sp>
         <p:nvSpPr>
-          <p:cNvPr id="20" name="TextBox 19"/>
+          <p:cNvPr id="22" name="TextBox 21"/>
           <p:cNvSpPr txBox="1"/>
           <p:nvPr/>
         </p:nvSpPr>
         <p:spPr>
           <a:xfrm>
-            <a:off x="14544675" y="5372100"/>
-            <a:ext cx="476250" cy="381000"/>
+            <a:off x="12249150" y="6057900"/>
+            <a:ext cx="342900" cy="342900"/>
           </a:xfrm>
           <a:prstGeom prst="rect">
             <a:avLst/>
@@ -3762,7 +3828,7 @@
           <a:noFill/>
         </p:spPr>
         <p:txBody>
-          <a:bodyPr wrap="none" anchor="t">
+          <a:bodyPr wrap="none" anchor="ctr">
             <a:spAutoFit/>
           </a:bodyPr>
           <a:lstStyle/>
@@ -3773,6 +3839,7 @@
                 <a:solidFill>
                   <a:srgbClr val="0A4275"/>
                 </a:solidFill>
+                <a:latin typeface="DengXian"/>
               </a:rPr>
               <a:t>🐛</a:t>
             </a:r>
@@ -3781,14 +3848,14 @@
       </p:sp>
       <p:sp>
         <p:nvSpPr>
-          <p:cNvPr id="21" name="TextBox 20"/>
+          <p:cNvPr id="23" name="TextBox 22"/>
           <p:cNvSpPr txBox="1"/>
           <p:nvPr/>
         </p:nvSpPr>
         <p:spPr>
           <a:xfrm>
-            <a:off x="12153900" y="5800725"/>
-            <a:ext cx="5267325" cy="285750"/>
+            <a:off x="12782550" y="5629275"/>
+            <a:ext cx="4543425" cy="200025"/>
           </a:xfrm>
           <a:prstGeom prst="rect">
             <a:avLst/>
@@ -3796,14 +3863,14 @@
           <a:noFill/>
         </p:spPr>
         <p:txBody>
-          <a:bodyPr wrap="square">
+          <a:bodyPr wrap="square" anchor="t">
             <a:spAutoFit/>
           </a:bodyPr>
           <a:lstStyle/>
           <a:p>
-            <a:pPr algn="ctr"/>
-            <a:r>
-              <a:rPr sz="1800">
+            <a:pPr algn="l"/>
+            <a:r>
+              <a:rPr sz="1400">
                 <a:solidFill>
                   <a:srgbClr val="0A4275"/>
                 </a:solidFill>
@@ -3816,14 +3883,14 @@
       </p:sp>
       <p:sp>
         <p:nvSpPr>
-          <p:cNvPr id="22" name="TextBox 21"/>
+          <p:cNvPr id="24" name="TextBox 23"/>
           <p:cNvSpPr txBox="1"/>
           <p:nvPr/>
         </p:nvSpPr>
         <p:spPr>
           <a:xfrm>
-            <a:off x="12153900" y="6086475"/>
-            <a:ext cx="5267325" cy="476250"/>
+            <a:off x="12782550" y="5876925"/>
+            <a:ext cx="4543425" cy="381000"/>
           </a:xfrm>
           <a:prstGeom prst="rect">
             <a:avLst/>
@@ -3831,14 +3898,14 @@
           <a:noFill/>
         </p:spPr>
         <p:txBody>
-          <a:bodyPr wrap="none">
+          <a:bodyPr wrap="none" anchor="t">
             <a:spAutoFit/>
           </a:bodyPr>
           <a:lstStyle/>
           <a:p>
-            <a:pPr algn="ctr"/>
-            <a:r>
-              <a:rPr sz="3600" b="1">
+            <a:pPr algn="l"/>
+            <a:r>
+              <a:rPr sz="2700" b="1">
                 <a:solidFill>
                   <a:srgbClr val="0A4275"/>
                 </a:solidFill>
@@ -3851,14 +3918,14 @@
       </p:sp>
       <p:sp>
         <p:nvSpPr>
-          <p:cNvPr id="23" name="TextBox 22"/>
+          <p:cNvPr id="25" name="TextBox 24"/>
           <p:cNvSpPr txBox="1"/>
           <p:nvPr/>
         </p:nvSpPr>
         <p:spPr>
           <a:xfrm>
-            <a:off x="12153900" y="6562725"/>
-            <a:ext cx="5267325" cy="285750"/>
+            <a:off x="12782550" y="6305550"/>
+            <a:ext cx="4543425" cy="209550"/>
           </a:xfrm>
           <a:prstGeom prst="rect">
             <a:avLst/>
@@ -3866,14 +3933,14 @@
           <a:noFill/>
         </p:spPr>
         <p:txBody>
-          <a:bodyPr wrap="square">
+          <a:bodyPr wrap="square" anchor="t">
             <a:spAutoFit/>
           </a:bodyPr>
           <a:lstStyle/>
           <a:p>
-            <a:pPr algn="ctr"/>
-            <a:r>
-              <a:rPr sz="1800">
+            <a:pPr algn="l"/>
+            <a:r>
+              <a:rPr sz="1500">
                 <a:latin typeface="DengXian"/>
               </a:rPr>
               <a:t>零日漏洞利用增长22%</a:t>
@@ -3883,14 +3950,14 @@
       </p:sp>
       <p:sp>
         <p:nvSpPr>
-          <p:cNvPr id="24" name="TextBox 23"/>
+          <p:cNvPr id="26" name="TextBox 25"/>
           <p:cNvSpPr txBox="1"/>
           <p:nvPr/>
         </p:nvSpPr>
         <p:spPr>
           <a:xfrm>
-            <a:off x="952500" y="7753350"/>
-            <a:ext cx="16383000" cy="285750"/>
+            <a:off x="12782550" y="6562725"/>
+            <a:ext cx="4543425" cy="209550"/>
           </a:xfrm>
           <a:prstGeom prst="rect">
             <a:avLst/>
@@ -3898,13 +3965,45 @@
           <a:noFill/>
         </p:spPr>
         <p:txBody>
+          <a:bodyPr wrap="square" anchor="t">
+            <a:spAutoFit/>
+          </a:bodyPr>
+          <a:lstStyle/>
+          <a:p>
+            <a:pPr algn="l"/>
+            <a:r>
+              <a:rPr sz="1500">
+                <a:latin typeface="DengXian"/>
+              </a:rPr>
+              <a:t>Web应用占比63.4%</a:t>
+            </a:r>
+          </a:p>
+        </p:txBody>
+      </p:sp>
+      <p:sp>
+        <p:nvSpPr>
+          <p:cNvPr id="27" name="TextBox 26"/>
+          <p:cNvSpPr txBox="1"/>
+          <p:nvPr/>
+        </p:nvSpPr>
+        <p:spPr>
+          <a:xfrm>
+            <a:off x="952500" y="7753350"/>
+            <a:ext cx="16383000" cy="285750"/>
+          </a:xfrm>
+          <a:prstGeom prst="rect">
+            <a:avLst/>
+          </a:prstGeom>
+          <a:noFill/>
+        </p:spPr>
+        <p:txBody>
           <a:bodyPr wrap="none">
             <a:spAutoFit/>
           </a:bodyPr>
           <a:lstStyle/>
           <a:p>
             <a:r>
-              <a:rPr sz="2000">
+              <a:rPr sz="1500">
                 <a:solidFill>
                   <a:srgbClr val="0A4275"/>
                 </a:solidFill>
@@ -3917,7 +4016,7 @@
       </p:sp>
       <p:sp>
         <p:nvSpPr>
-          <p:cNvPr id="25" name="TextBox 24"/>
+          <p:cNvPr id="28" name="TextBox 27"/>
           <p:cNvSpPr txBox="1"/>
           <p:nvPr/>
         </p:nvSpPr>
@@ -3938,7 +4037,7 @@
           <a:lstStyle/>
           <a:p>
             <a:r>
-              <a:rPr sz="2000">
+              <a:rPr sz="1500">
                 <a:latin typeface="DengXian"/>
               </a:rPr>
               <a:t>• DDoS攻击手法向多向量复合型发展，同时结合应用层与网络层，攻击流量呈现短时高峰特征</a:t>
@@ -3948,7 +4047,7 @@
       </p:sp>
       <p:sp>
         <p:nvSpPr>
-          <p:cNvPr id="26" name="TextBox 25"/>
+          <p:cNvPr id="29" name="TextBox 28"/>
           <p:cNvSpPr txBox="1"/>
           <p:nvPr/>
         </p:nvSpPr>
@@ -3969,7 +4068,7 @@
           <a:lstStyle/>
           <a:p>
             <a:r>
-              <a:rPr sz="2000">
+              <a:rPr sz="1500">
                 <a:latin typeface="DengXian"/>
               </a:rPr>
               <a:t>• 勒索软件攻击呈现"双重勒索"特点，不仅加密数据还威胁公开泄露，LockBit变种活跃度明显提升</a:t>
@@ -3979,7 +4078,7 @@
       </p:sp>
       <p:sp>
         <p:nvSpPr>
-          <p:cNvPr id="27" name="TextBox 26"/>
+          <p:cNvPr id="30" name="TextBox 29"/>
           <p:cNvSpPr txBox="1"/>
           <p:nvPr/>
         </p:nvSpPr>
@@ -4000,7 +4099,7 @@
           <a:lstStyle/>
           <a:p>
             <a:r>
-              <a:rPr sz="2000">
+              <a:rPr sz="1500">
                 <a:latin typeface="DengXian"/>
               </a:rPr>
               <a:t>• AI辅助钓鱼攻击出现，定制化内容质量显著提升，成功率较传统钓鱼提高约2倍，值得高度关注</a:t>
@@ -4010,7 +4109,7 @@
       </p:sp>
       <p:sp>
         <p:nvSpPr>
-          <p:cNvPr id="28" name="Rectangle 27"/>
+          <p:cNvPr id="31" name="Rectangle 30"/>
           <p:cNvSpPr/>
           <p:nvPr/>
         </p:nvSpPr>
@@ -4053,7 +4152,7 @@
       </p:sp>
       <p:sp>
         <p:nvSpPr>
-          <p:cNvPr id="29" name="TextBox 28"/>
+          <p:cNvPr id="32" name="TextBox 31"/>
           <p:cNvSpPr txBox="1"/>
           <p:nvPr/>
         </p:nvSpPr>
